--- a/CaseStudyPresentation.pptx
+++ b/CaseStudyPresentation.pptx
@@ -8,14 +8,15 @@
     <p:sldId id="256" r:id="rId2"/>
     <p:sldId id="257" r:id="rId3"/>
     <p:sldId id="259" r:id="rId4"/>
-    <p:sldId id="258" r:id="rId5"/>
-    <p:sldId id="260" r:id="rId6"/>
-    <p:sldId id="261" r:id="rId7"/>
+    <p:sldId id="261" r:id="rId5"/>
+    <p:sldId id="258" r:id="rId6"/>
+    <p:sldId id="260" r:id="rId7"/>
     <p:sldId id="263" r:id="rId8"/>
     <p:sldId id="264" r:id="rId9"/>
     <p:sldId id="265" r:id="rId10"/>
     <p:sldId id="266" r:id="rId11"/>
     <p:sldId id="267" r:id="rId12"/>
+    <p:sldId id="268" r:id="rId13"/>
   </p:sldIdLst>
   <p:sldSz cx="12192000" cy="6858000"/>
   <p:notesSz cx="6858000" cy="9144000"/>
@@ -6233,6 +6234,66 @@
 </p:sld>
 </file>
 
+<file path=ppt/slides/slide12.xml><?xml version="1.0" encoding="utf-8"?>
+<p:sld xmlns:a="http://schemas.openxmlformats.org/drawingml/2006/main" xmlns:r="http://schemas.openxmlformats.org/officeDocument/2006/relationships" xmlns:p="http://schemas.openxmlformats.org/presentationml/2006/main">
+  <p:cSld>
+    <p:spTree>
+      <p:nvGrpSpPr>
+        <p:cNvPr id="1" name=""/>
+        <p:cNvGrpSpPr/>
+        <p:nvPr/>
+      </p:nvGrpSpPr>
+      <p:grpSpPr>
+        <a:xfrm>
+          <a:off x="0" y="0"/>
+          <a:ext cx="0" cy="0"/>
+          <a:chOff x="0" y="0"/>
+          <a:chExt cx="0" cy="0"/>
+        </a:xfrm>
+      </p:grpSpPr>
+      <p:pic>
+        <p:nvPicPr>
+          <p:cNvPr id="4" name="Picture 3">
+            <a:extLst>
+              <a:ext uri="{FF2B5EF4-FFF2-40B4-BE49-F238E27FC236}">
+                <a16:creationId xmlns:a16="http://schemas.microsoft.com/office/drawing/2014/main" id="{080F9A80-55A7-44D0-B8E7-5CD17534DD73}"/>
+              </a:ext>
+            </a:extLst>
+          </p:cNvPr>
+          <p:cNvPicPr>
+            <a:picLocks noChangeAspect="1"/>
+          </p:cNvPicPr>
+          <p:nvPr/>
+        </p:nvPicPr>
+        <p:blipFill>
+          <a:blip r:embed="rId2"/>
+          <a:stretch>
+            <a:fillRect/>
+          </a:stretch>
+        </p:blipFill>
+        <p:spPr>
+          <a:xfrm>
+            <a:off x="1904415" y="613969"/>
+            <a:ext cx="8383170" cy="5630061"/>
+          </a:xfrm>
+          <a:prstGeom prst="rect">
+            <a:avLst/>
+          </a:prstGeom>
+        </p:spPr>
+      </p:pic>
+    </p:spTree>
+    <p:extLst>
+      <p:ext uri="{BB962C8B-B14F-4D97-AF65-F5344CB8AC3E}">
+        <p14:creationId xmlns:p14="http://schemas.microsoft.com/office/powerpoint/2010/main" val="529831325"/>
+      </p:ext>
+    </p:extLst>
+  </p:cSld>
+  <p:clrMapOvr>
+    <a:masterClrMapping/>
+  </p:clrMapOvr>
+</p:sld>
+</file>
+
 <file path=ppt/slides/slide2.xml><?xml version="1.0" encoding="utf-8"?>
 <p:sld xmlns:a="http://schemas.openxmlformats.org/drawingml/2006/main" xmlns:r="http://schemas.openxmlformats.org/officeDocument/2006/relationships" xmlns:p="http://schemas.openxmlformats.org/presentationml/2006/main">
   <p:cSld>
@@ -6313,7 +6374,7 @@
           <a:graphicData uri="http://schemas.openxmlformats.org/presentationml/2006/ole">
             <mc:AlternateContent xmlns:mc="http://schemas.openxmlformats.org/markup-compatibility/2006">
               <mc:Choice xmlns:v="urn:schemas-microsoft-com:vml" Requires="v">
-                <p:oleObj spid="_x0000_s1032" name="Worksheet" r:id="rId3" imgW="1047656" imgH="6448489" progId="Excel.Sheet.12">
+                <p:oleObj spid="_x0000_s1036" name="Worksheet" r:id="rId3" imgW="1047656" imgH="6448489" progId="Excel.Sheet.12">
                   <p:embed/>
                 </p:oleObj>
               </mc:Choice>
@@ -6533,7 +6594,7 @@
           <a:p>
             <a:r>
               <a:rPr lang="en-US" dirty="0"/>
-              <a:t>Where Do They Drink the Most?</a:t>
+              <a:t>Is Population a Factor?</a:t>
             </a:r>
           </a:p>
         </p:txBody>
@@ -6543,7 +6604,7 @@
           <p:cNvPr id="3" name="Picture 2">
             <a:extLst>
               <a:ext uri="{FF2B5EF4-FFF2-40B4-BE49-F238E27FC236}">
-                <a16:creationId xmlns:a16="http://schemas.microsoft.com/office/drawing/2014/main" id="{F608CCB0-7043-4993-B13A-22A83CC083EF}"/>
+                <a16:creationId xmlns:a16="http://schemas.microsoft.com/office/drawing/2014/main" id="{A12AE859-1296-43BB-B2A8-1C8756FC2607}"/>
               </a:ext>
             </a:extLst>
           </p:cNvPr>
@@ -6560,8 +6621,8 @@
         </p:blipFill>
         <p:spPr>
           <a:xfrm>
-            <a:off x="2100096" y="1241602"/>
-            <a:ext cx="8319863" cy="5486400"/>
+            <a:off x="2096172" y="1241602"/>
+            <a:ext cx="8327711" cy="5486400"/>
           </a:xfrm>
           <a:prstGeom prst="rect">
             <a:avLst/>
@@ -6571,7 +6632,7 @@
     </p:spTree>
     <p:extLst>
       <p:ext uri="{BB962C8B-B14F-4D97-AF65-F5344CB8AC3E}">
-        <p14:creationId xmlns:p14="http://schemas.microsoft.com/office/powerpoint/2010/main" val="2708214364"/>
+        <p14:creationId xmlns:p14="http://schemas.microsoft.com/office/powerpoint/2010/main" val="3626432283"/>
       </p:ext>
     </p:extLst>
   </p:cSld>
@@ -6628,17 +6689,17 @@
           <a:p>
             <a:r>
               <a:rPr lang="en-US" dirty="0"/>
-              <a:t>Which States Drink the Most?</a:t>
+              <a:t>Where Do They Drink the Most?</a:t>
             </a:r>
           </a:p>
         </p:txBody>
       </p:sp>
       <p:pic>
         <p:nvPicPr>
-          <p:cNvPr id="5" name="Picture 4">
+          <p:cNvPr id="3" name="Picture 2">
             <a:extLst>
               <a:ext uri="{FF2B5EF4-FFF2-40B4-BE49-F238E27FC236}">
-                <a16:creationId xmlns:a16="http://schemas.microsoft.com/office/drawing/2014/main" id="{5EAF7021-A6FE-42FB-9348-9FBE4E0B1A25}"/>
+                <a16:creationId xmlns:a16="http://schemas.microsoft.com/office/drawing/2014/main" id="{F608CCB0-7043-4993-B13A-22A83CC083EF}"/>
               </a:ext>
             </a:extLst>
           </p:cNvPr>
@@ -6655,8 +6716,8 @@
         </p:blipFill>
         <p:spPr>
           <a:xfrm>
-            <a:off x="2096172" y="1241602"/>
-            <a:ext cx="8327711" cy="5486400"/>
+            <a:off x="2100096" y="1241602"/>
+            <a:ext cx="8319863" cy="5486400"/>
           </a:xfrm>
           <a:prstGeom prst="rect">
             <a:avLst/>
@@ -6666,7 +6727,7 @@
     </p:spTree>
     <p:extLst>
       <p:ext uri="{BB962C8B-B14F-4D97-AF65-F5344CB8AC3E}">
-        <p14:creationId xmlns:p14="http://schemas.microsoft.com/office/powerpoint/2010/main" val="2234783243"/>
+        <p14:creationId xmlns:p14="http://schemas.microsoft.com/office/powerpoint/2010/main" val="2708214364"/>
       </p:ext>
     </p:extLst>
   </p:cSld>
@@ -6723,17 +6784,17 @@
           <a:p>
             <a:r>
               <a:rPr lang="en-US" dirty="0"/>
-              <a:t>Is Population a Factor?</a:t>
+              <a:t>Which States Drink the Most?</a:t>
             </a:r>
           </a:p>
         </p:txBody>
       </p:sp>
       <p:pic>
         <p:nvPicPr>
-          <p:cNvPr id="3" name="Picture 2">
+          <p:cNvPr id="5" name="Picture 4">
             <a:extLst>
               <a:ext uri="{FF2B5EF4-FFF2-40B4-BE49-F238E27FC236}">
-                <a16:creationId xmlns:a16="http://schemas.microsoft.com/office/drawing/2014/main" id="{A12AE859-1296-43BB-B2A8-1C8756FC2607}"/>
+                <a16:creationId xmlns:a16="http://schemas.microsoft.com/office/drawing/2014/main" id="{5EAF7021-A6FE-42FB-9348-9FBE4E0B1A25}"/>
               </a:ext>
             </a:extLst>
           </p:cNvPr>
@@ -6761,7 +6822,7 @@
     </p:spTree>
     <p:extLst>
       <p:ext uri="{BB962C8B-B14F-4D97-AF65-F5344CB8AC3E}">
-        <p14:creationId xmlns:p14="http://schemas.microsoft.com/office/powerpoint/2010/main" val="3626432283"/>
+        <p14:creationId xmlns:p14="http://schemas.microsoft.com/office/powerpoint/2010/main" val="2234783243"/>
       </p:ext>
     </p:extLst>
   </p:cSld>
